--- a/assets/Hardware/Connections.pptx
+++ b/assets/Hardware/Connections.pptx
@@ -3204,9 +3204,9 @@
           <p:nvPr isPhoto="0" userDrawn="0"/>
         </p:nvSpPr>
         <p:spPr bwMode="auto">
-          <a:xfrm flipH="0" flipV="0">
-            <a:off x="-727172" y="-228424"/>
-            <a:ext cx="8401050" cy="7311952"/>
+          <a:xfrm rot="0" flipH="0" flipV="0">
+            <a:off x="61184" y="-228423"/>
+            <a:ext cx="7920000" cy="7200000"/>
           </a:xfrm>
           <a:prstGeom prst="frame">
             <a:avLst>
@@ -3267,7 +3267,7 @@
         </p:blipFill>
         <p:spPr bwMode="auto">
           <a:xfrm flipH="0" flipV="0">
-            <a:off x="15032399" y="3452272"/>
+            <a:off x="15032398" y="3452272"/>
             <a:ext cx="3381481" cy="3381481"/>
           </a:xfrm>
           <a:prstGeom prst="rect">
@@ -3300,9 +3300,7 @@
       <p:pic>
         <p:nvPicPr>
           <p:cNvPr id="8" name="" hidden="0"/>
-          <p:cNvPicPr>
-            <a:picLocks noChangeAspect="1"/>
-          </p:cNvPicPr>
+          <p:cNvPicPr/>
           <p:nvPr isPhoto="0" userDrawn="0"/>
         </p:nvPicPr>
         <p:blipFill>
@@ -3310,9 +3308,9 @@
           <a:stretch/>
         </p:blipFill>
         <p:spPr bwMode="auto">
-          <a:xfrm rot="10799990" flipH="0" flipV="0">
-            <a:off x="4394460" y="3167613"/>
-            <a:ext cx="2883030" cy="2164862"/>
+          <a:xfrm rot="5399978" flipH="0" flipV="0">
+            <a:off x="4778920" y="720000"/>
+            <a:ext cx="2592000" cy="1872000"/>
           </a:xfrm>
           <a:prstGeom prst="rect">
             <a:avLst/>
@@ -3333,8 +3331,8 @@
         </p:blipFill>
         <p:spPr bwMode="auto">
           <a:xfrm rot="10799990" flipH="0" flipV="0">
-            <a:off x="4880367" y="228547"/>
-            <a:ext cx="2069965" cy="1319070"/>
+            <a:off x="5300920" y="3289494"/>
+            <a:ext cx="1548000" cy="986400"/>
           </a:xfrm>
           <a:prstGeom prst="rect">
             <a:avLst/>
@@ -3395,12 +3393,13 @@
         </p:nvPicPr>
         <p:blipFill>
           <a:blip r:embed="rId7"/>
+          <a:srcRect l="7398" t="8896" r="0" b="16625"/>
           <a:stretch/>
         </p:blipFill>
         <p:spPr bwMode="auto">
-          <a:xfrm flipH="0" flipV="0">
-            <a:off x="5584037" y="5653308"/>
-            <a:ext cx="2732590" cy="1144272"/>
+          <a:xfrm rot="0" flipH="0" flipV="0">
+            <a:off x="6345631" y="5992570"/>
+            <a:ext cx="2138400" cy="720000"/>
           </a:xfrm>
           <a:prstGeom prst="rect">
             <a:avLst/>
@@ -3417,12 +3416,13 @@
         </p:nvPicPr>
         <p:blipFill>
           <a:blip r:embed="rId8"/>
+          <a:srcRect l="7754" t="8017" r="8251" b="14163"/>
           <a:stretch/>
         </p:blipFill>
         <p:spPr bwMode="auto">
-          <a:xfrm flipH="0" flipV="0">
-            <a:off x="721026" y="2396881"/>
-            <a:ext cx="2752325" cy="2061340"/>
+          <a:xfrm rot="0" flipH="0" flipV="0">
+            <a:off x="594133" y="2792899"/>
+            <a:ext cx="2469600" cy="1713599"/>
           </a:xfrm>
           <a:prstGeom prst="rect">
             <a:avLst/>
@@ -3439,12 +3439,13 @@
         </p:nvPicPr>
         <p:blipFill>
           <a:blip r:embed="rId9"/>
+          <a:srcRect l="7256" t="14760" r="9929" b="9584"/>
           <a:stretch/>
         </p:blipFill>
         <p:spPr bwMode="auto">
-          <a:xfrm flipH="0" flipV="0">
-            <a:off x="101502" y="-22468"/>
-            <a:ext cx="3801598" cy="2597533"/>
+          <a:xfrm rot="0" flipH="0" flipV="0">
+            <a:off x="471600" y="360000"/>
+            <a:ext cx="3258000" cy="2034000"/>
           </a:xfrm>
           <a:prstGeom prst="rect">
             <a:avLst/>
@@ -3464,7 +3465,7 @@
           <a:stretch/>
         </p:blipFill>
         <p:spPr bwMode="auto">
-          <a:xfrm rot="10799990" flipH="0" flipV="0">
+          <a:xfrm rot="10799989" flipH="0" flipV="0">
             <a:off x="12800543" y="-1681983"/>
             <a:ext cx="4874825" cy="757625"/>
           </a:xfrm>
@@ -3486,7 +3487,7 @@
           <a:stretch/>
         </p:blipFill>
         <p:spPr bwMode="auto">
-          <a:xfrm rot="10799990" flipH="0" flipV="0">
+          <a:xfrm rot="10799989" flipH="0" flipV="0">
             <a:off x="12800542" y="-2882133"/>
             <a:ext cx="4874825" cy="757625"/>
           </a:xfrm>
@@ -3509,8 +3510,8 @@
         </p:blipFill>
         <p:spPr bwMode="auto">
           <a:xfrm rot="10799990" flipH="0" flipV="0">
-            <a:off x="4880367" y="1642000"/>
-            <a:ext cx="2069964" cy="1319069"/>
+            <a:off x="5300920" y="4506499"/>
+            <a:ext cx="1548000" cy="986400"/>
           </a:xfrm>
           <a:prstGeom prst="rect">
             <a:avLst/>
